--- a/meeting_notes/genMeeting01_16_2020.pptx
+++ b/meeting_notes/genMeeting01_16_2020.pptx
@@ -3380,6 +3380,12 @@
               <a:t>Viking Robotics Society</a:t>
             </a:r>
           </a:p>
+          <a:p>
+            <a:r>
+              <a:rPr lang="en-US" dirty="0"/>
+              <a:t>Thursday 01-16-2020</a:t>
+            </a:r>
+          </a:p>
         </p:txBody>
       </p:sp>
     </p:spTree>
@@ -3525,13 +3531,8 @@
             <a:pPr lvl="1"/>
             <a:r>
               <a:rPr lang="en-US" dirty="0"/>
-              <a:t>Interfacing the </a:t>
-            </a:r>
-            <a:r>
-              <a:rPr lang="en-US"/>
-              <a:t>Inverse Kinematics to the Hex Maker.</a:t>
-            </a:r>
-            <a:endParaRPr lang="en-US" dirty="0"/>
+              <a:t>Interfacing the Inverse Kinematics to the Hex Maker.</a:t>
+            </a:r>
           </a:p>
           <a:p>
             <a:pPr lvl="1"/>
